--- a/text/36安井_38吉本_積み木タイムアタック(最終).pptx
+++ b/text/36安井_38吉本_積み木タイムアタック(最終).pptx
@@ -218,7 +218,7 @@
           <a:p>
             <a:fld id="{C643449A-B48F-43C4-A148-36F91B6D7ADD}" type="datetimeFigureOut">
               <a:rPr kumimoji="1" lang="ja-JP" altLang="en-US" smtClean="0"/>
-              <a:t>2025/6/25</a:t>
+              <a:t>2025/7/2</a:t>
             </a:fld>
             <a:endParaRPr kumimoji="1" lang="ja-JP" altLang="en-US"/>
           </a:p>
@@ -1323,7 +1323,7 @@
           <a:p>
             <a:fld id="{F4A21FFE-46D7-409F-B3F0-3A3743EE0EB5}" type="datetimeFigureOut">
               <a:rPr kumimoji="1" lang="ja-JP" altLang="en-US" smtClean="0"/>
-              <a:t>2025/6/25</a:t>
+              <a:t>2025/7/2</a:t>
             </a:fld>
             <a:endParaRPr kumimoji="1" lang="ja-JP" altLang="en-US"/>
           </a:p>
@@ -1574,7 +1574,7 @@
           <a:p>
             <a:fld id="{F4A21FFE-46D7-409F-B3F0-3A3743EE0EB5}" type="datetimeFigureOut">
               <a:rPr kumimoji="1" lang="ja-JP" altLang="en-US" smtClean="0"/>
-              <a:t>2025/6/25</a:t>
+              <a:t>2025/7/2</a:t>
             </a:fld>
             <a:endParaRPr kumimoji="1" lang="ja-JP" altLang="en-US"/>
           </a:p>
@@ -1888,7 +1888,7 @@
           <a:p>
             <a:fld id="{F4A21FFE-46D7-409F-B3F0-3A3743EE0EB5}" type="datetimeFigureOut">
               <a:rPr kumimoji="1" lang="ja-JP" altLang="en-US" smtClean="0"/>
-              <a:t>2025/6/25</a:t>
+              <a:t>2025/7/2</a:t>
             </a:fld>
             <a:endParaRPr kumimoji="1" lang="ja-JP" altLang="en-US"/>
           </a:p>
@@ -2229,7 +2229,7 @@
           <a:p>
             <a:fld id="{F4A21FFE-46D7-409F-B3F0-3A3743EE0EB5}" type="datetimeFigureOut">
               <a:rPr kumimoji="1" lang="ja-JP" altLang="en-US" smtClean="0"/>
-              <a:t>2025/6/25</a:t>
+              <a:t>2025/7/2</a:t>
             </a:fld>
             <a:endParaRPr kumimoji="1" lang="ja-JP" altLang="en-US"/>
           </a:p>
@@ -2543,7 +2543,7 @@
           <a:p>
             <a:fld id="{F4A21FFE-46D7-409F-B3F0-3A3743EE0EB5}" type="datetimeFigureOut">
               <a:rPr kumimoji="1" lang="ja-JP" altLang="en-US" smtClean="0"/>
-              <a:t>2025/6/25</a:t>
+              <a:t>2025/7/2</a:t>
             </a:fld>
             <a:endParaRPr kumimoji="1" lang="ja-JP" altLang="en-US"/>
           </a:p>
@@ -2936,7 +2936,7 @@
           <a:p>
             <a:fld id="{F4A21FFE-46D7-409F-B3F0-3A3743EE0EB5}" type="datetimeFigureOut">
               <a:rPr kumimoji="1" lang="ja-JP" altLang="en-US" smtClean="0"/>
-              <a:t>2025/6/25</a:t>
+              <a:t>2025/7/2</a:t>
             </a:fld>
             <a:endParaRPr kumimoji="1" lang="ja-JP" altLang="en-US"/>
           </a:p>
@@ -3138,7 +3138,7 @@
           <a:p>
             <a:fld id="{F4A21FFE-46D7-409F-B3F0-3A3743EE0EB5}" type="datetimeFigureOut">
               <a:rPr kumimoji="1" lang="ja-JP" altLang="en-US" smtClean="0"/>
-              <a:t>2025/6/25</a:t>
+              <a:t>2025/7/2</a:t>
             </a:fld>
             <a:endParaRPr kumimoji="1" lang="ja-JP" altLang="en-US"/>
           </a:p>
@@ -3350,7 +3350,7 @@
           <a:p>
             <a:fld id="{F4A21FFE-46D7-409F-B3F0-3A3743EE0EB5}" type="datetimeFigureOut">
               <a:rPr kumimoji="1" lang="ja-JP" altLang="en-US" smtClean="0"/>
-              <a:t>2025/6/25</a:t>
+              <a:t>2025/7/2</a:t>
             </a:fld>
             <a:endParaRPr kumimoji="1" lang="ja-JP" altLang="en-US"/>
           </a:p>
@@ -3558,7 +3558,7 @@
           <a:p>
             <a:fld id="{F4A21FFE-46D7-409F-B3F0-3A3743EE0EB5}" type="datetimeFigureOut">
               <a:rPr kumimoji="1" lang="ja-JP" altLang="en-US" smtClean="0"/>
-              <a:t>2025/6/25</a:t>
+              <a:t>2025/7/2</a:t>
             </a:fld>
             <a:endParaRPr kumimoji="1" lang="ja-JP" altLang="en-US"/>
           </a:p>
@@ -3805,7 +3805,7 @@
           <a:p>
             <a:fld id="{F4A21FFE-46D7-409F-B3F0-3A3743EE0EB5}" type="datetimeFigureOut">
               <a:rPr kumimoji="1" lang="ja-JP" altLang="en-US" smtClean="0"/>
-              <a:t>2025/6/25</a:t>
+              <a:t>2025/7/2</a:t>
             </a:fld>
             <a:endParaRPr kumimoji="1" lang="ja-JP" altLang="en-US"/>
           </a:p>
@@ -4101,7 +4101,7 @@
           <a:p>
             <a:fld id="{F4A21FFE-46D7-409F-B3F0-3A3743EE0EB5}" type="datetimeFigureOut">
               <a:rPr kumimoji="1" lang="ja-JP" altLang="en-US" smtClean="0"/>
-              <a:t>2025/6/25</a:t>
+              <a:t>2025/7/2</a:t>
             </a:fld>
             <a:endParaRPr kumimoji="1" lang="ja-JP" altLang="en-US"/>
           </a:p>
@@ -4539,7 +4539,7 @@
           <a:p>
             <a:fld id="{F4A21FFE-46D7-409F-B3F0-3A3743EE0EB5}" type="datetimeFigureOut">
               <a:rPr kumimoji="1" lang="ja-JP" altLang="en-US" smtClean="0"/>
-              <a:t>2025/6/25</a:t>
+              <a:t>2025/7/2</a:t>
             </a:fld>
             <a:endParaRPr kumimoji="1" lang="ja-JP" altLang="en-US"/>
           </a:p>
@@ -4662,7 +4662,7 @@
           <a:p>
             <a:fld id="{F4A21FFE-46D7-409F-B3F0-3A3743EE0EB5}" type="datetimeFigureOut">
               <a:rPr kumimoji="1" lang="ja-JP" altLang="en-US" smtClean="0"/>
-              <a:t>2025/6/25</a:t>
+              <a:t>2025/7/2</a:t>
             </a:fld>
             <a:endParaRPr kumimoji="1" lang="ja-JP" altLang="en-US"/>
           </a:p>
@@ -4757,7 +4757,7 @@
           <a:p>
             <a:fld id="{F4A21FFE-46D7-409F-B3F0-3A3743EE0EB5}" type="datetimeFigureOut">
               <a:rPr kumimoji="1" lang="ja-JP" altLang="en-US" smtClean="0"/>
-              <a:t>2025/6/25</a:t>
+              <a:t>2025/7/2</a:t>
             </a:fld>
             <a:endParaRPr kumimoji="1" lang="ja-JP" altLang="en-US"/>
           </a:p>
@@ -5044,7 +5044,7 @@
           <a:p>
             <a:fld id="{F4A21FFE-46D7-409F-B3F0-3A3743EE0EB5}" type="datetimeFigureOut">
               <a:rPr kumimoji="1" lang="ja-JP" altLang="en-US" smtClean="0"/>
-              <a:t>2025/6/25</a:t>
+              <a:t>2025/7/2</a:t>
             </a:fld>
             <a:endParaRPr kumimoji="1" lang="ja-JP" altLang="en-US"/>
           </a:p>
@@ -5307,7 +5307,7 @@
           <a:p>
             <a:fld id="{F4A21FFE-46D7-409F-B3F0-3A3743EE0EB5}" type="datetimeFigureOut">
               <a:rPr kumimoji="1" lang="ja-JP" altLang="en-US" smtClean="0"/>
-              <a:t>2025/6/25</a:t>
+              <a:t>2025/7/2</a:t>
             </a:fld>
             <a:endParaRPr kumimoji="1" lang="ja-JP" altLang="en-US"/>
           </a:p>
@@ -6082,7 +6082,7 @@
           <a:p>
             <a:fld id="{F4A21FFE-46D7-409F-B3F0-3A3743EE0EB5}" type="datetimeFigureOut">
               <a:rPr kumimoji="1" lang="ja-JP" altLang="en-US" smtClean="0"/>
-              <a:t>2025/6/25</a:t>
+              <a:t>2025/7/2</a:t>
             </a:fld>
             <a:endParaRPr kumimoji="1" lang="ja-JP" altLang="en-US"/>
           </a:p>
@@ -6811,8 +6811,8 @@
         </p:nvSpPr>
         <p:spPr>
           <a:xfrm>
-            <a:off x="677334" y="2160589"/>
-            <a:ext cx="8596668" cy="1111249"/>
+            <a:off x="677334" y="1957388"/>
+            <a:ext cx="8596668" cy="2828925"/>
           </a:xfrm>
         </p:spPr>
         <p:txBody>
@@ -6822,9 +6822,51 @@
           <a:lstStyle/>
           <a:p>
             <a:pPr marL="0" indent="0">
+              <a:spcBef>
+                <a:spcPts val="1200"/>
+              </a:spcBef>
+              <a:spcAft>
+                <a:spcPts val="2400"/>
+              </a:spcAft>
               <a:buNone/>
             </a:pPr>
-            <a:endParaRPr kumimoji="1" lang="en-US" altLang="ja-JP" sz="2800" dirty="0"/>
+            <a:r>
+              <a:rPr kumimoji="1" lang="ja-JP" altLang="en-US" sz="3200" dirty="0"/>
+              <a:t>・積み木のゲームを開発した</a:t>
+            </a:r>
+            <a:endParaRPr kumimoji="1" lang="en-US" altLang="ja-JP" sz="3200" dirty="0"/>
+          </a:p>
+          <a:p>
+            <a:pPr marL="0" indent="0">
+              <a:spcBef>
+                <a:spcPts val="1200"/>
+              </a:spcBef>
+              <a:spcAft>
+                <a:spcPts val="2400"/>
+              </a:spcAft>
+              <a:buNone/>
+            </a:pPr>
+            <a:r>
+              <a:rPr lang="ja-JP" altLang="en-US" sz="3200" dirty="0"/>
+              <a:t>・積んだ積み木の個数、高さを表示</a:t>
+            </a:r>
+            <a:endParaRPr lang="en-US" altLang="ja-JP" sz="3200" dirty="0"/>
+          </a:p>
+          <a:p>
+            <a:pPr marL="0" indent="0">
+              <a:spcBef>
+                <a:spcPts val="1200"/>
+              </a:spcBef>
+              <a:spcAft>
+                <a:spcPts val="2400"/>
+              </a:spcAft>
+              <a:buNone/>
+            </a:pPr>
+            <a:r>
+              <a:rPr lang="ja-JP" altLang="en-US" sz="3200" dirty="0"/>
+              <a:t>・リセットボタンの実装</a:t>
+            </a:r>
+            <a:endParaRPr lang="en-US" altLang="ja-JP" sz="3200" dirty="0"/>
           </a:p>
         </p:txBody>
       </p:sp>
@@ -8638,7 +8680,7 @@
         </p:nvSpPr>
         <p:spPr>
           <a:xfrm>
-            <a:off x="1395167" y="2214253"/>
+            <a:off x="1395167" y="2756029"/>
             <a:ext cx="3638747" cy="3416320"/>
           </a:xfrm>
           <a:prstGeom prst="rect">
@@ -8712,18 +8754,6 @@
             </a:endParaRPr>
           </a:p>
           <a:p>
-            <a:pPr marL="342900" indent="-342900">
-              <a:buFont typeface="Wingdings" panose="05000000000000000000" pitchFamily="2" charset="2"/>
-              <a:buChar char="u"/>
-            </a:pPr>
-            <a:r>
-              <a:rPr lang="ja-JP" altLang="en-US" sz="2400" dirty="0">
-                <a:solidFill>
-                  <a:srgbClr val="002060"/>
-                </a:solidFill>
-              </a:rPr>
-              <a:t>倒れないように</a:t>
-            </a:r>
             <a:endParaRPr lang="en-US" altLang="ja-JP" sz="2400" dirty="0">
               <a:solidFill>
                 <a:srgbClr val="002060"/>
@@ -9965,6 +9995,23 @@
 </file>
 
 <file path=customXml/item1.xml><?xml version="1.0" encoding="utf-8"?>
+<p:properties xmlns:p="http://schemas.microsoft.com/office/2006/metadata/properties" xmlns:xsi="http://www.w3.org/2001/XMLSchema-instance" xmlns:pc="http://schemas.microsoft.com/office/infopath/2007/PartnerControls">
+  <documentManagement>
+    <_activity xmlns="a46ab4ca-bc09-4ac5-a31b-eed8c5b60a07" xsi:nil="true"/>
+  </documentManagement>
+</p:properties>
+</file>
+
+<file path=customXml/item2.xml><?xml version="1.0" encoding="utf-8"?>
+<?mso-contentType ?>
+<FormTemplates xmlns="http://schemas.microsoft.com/sharepoint/v3/contenttype/forms">
+  <Display>DocumentLibraryForm</Display>
+  <Edit>DocumentLibraryForm</Edit>
+  <New>DocumentLibraryForm</New>
+</FormTemplates>
+</file>
+
+<file path=customXml/item3.xml><?xml version="1.0" encoding="utf-8"?>
 <ct:contentTypeSchema xmlns:ct="http://schemas.microsoft.com/office/2006/metadata/contentType" xmlns:ma="http://schemas.microsoft.com/office/2006/metadata/properties/metaAttributes" ct:_="" ma:_="" ma:contentTypeName="ドキュメント" ma:contentTypeID="0x0101002FFB6942F575FB409279DDFC9D64B7D6" ma:contentTypeVersion="18" ma:contentTypeDescription="新しいドキュメントを作成します。" ma:contentTypeScope="" ma:versionID="24f71904967c1a3fd62d68e1bb9cc405">
   <xsd:schema xmlns:xsd="http://www.w3.org/2001/XMLSchema" xmlns:xs="http://www.w3.org/2001/XMLSchema" xmlns:p="http://schemas.microsoft.com/office/2006/metadata/properties" xmlns:ns3="a46ab4ca-bc09-4ac5-a31b-eed8c5b60a07" xmlns:ns4="ec587fe9-fa5c-47d0-8660-4dac361e2af1" targetNamespace="http://schemas.microsoft.com/office/2006/metadata/properties" ma:root="true" ma:fieldsID="0f8f031ea856ce36bb2a3b33192d95db" ns3:_="" ns4:_="">
     <xsd:import namespace="a46ab4ca-bc09-4ac5-a31b-eed8c5b60a07"/>
@@ -10217,24 +10264,32 @@
 </ct:contentTypeSchema>
 </file>
 
-<file path=customXml/item2.xml><?xml version="1.0" encoding="utf-8"?>
-<p:properties xmlns:p="http://schemas.microsoft.com/office/2006/metadata/properties" xmlns:xsi="http://www.w3.org/2001/XMLSchema-instance" xmlns:pc="http://schemas.microsoft.com/office/infopath/2007/PartnerControls">
-  <documentManagement>
-    <_activity xmlns="a46ab4ca-bc09-4ac5-a31b-eed8c5b60a07" xsi:nil="true"/>
-  </documentManagement>
-</p:properties>
+<file path=customXml/itemProps1.xml><?xml version="1.0" encoding="utf-8"?>
+<ds:datastoreItem xmlns:ds="http://schemas.openxmlformats.org/officeDocument/2006/customXml" ds:itemID="{6D46912A-3E29-4935-91A7-F35A1585157B}">
+  <ds:schemaRefs>
+    <ds:schemaRef ds:uri="http://purl.org/dc/elements/1.1/"/>
+    <ds:schemaRef ds:uri="http://schemas.microsoft.com/office/2006/metadata/properties"/>
+    <ds:schemaRef ds:uri="ec587fe9-fa5c-47d0-8660-4dac361e2af1"/>
+    <ds:schemaRef ds:uri="http://purl.org/dc/terms/"/>
+    <ds:schemaRef ds:uri="http://schemas.openxmlformats.org/package/2006/metadata/core-properties"/>
+    <ds:schemaRef ds:uri="http://schemas.microsoft.com/office/infopath/2007/PartnerControls"/>
+    <ds:schemaRef ds:uri="http://schemas.microsoft.com/office/2006/documentManagement/types"/>
+    <ds:schemaRef ds:uri="a46ab4ca-bc09-4ac5-a31b-eed8c5b60a07"/>
+    <ds:schemaRef ds:uri="http://www.w3.org/XML/1998/namespace"/>
+    <ds:schemaRef ds:uri="http://purl.org/dc/dcmitype/"/>
+  </ds:schemaRefs>
+</ds:datastoreItem>
 </file>
 
-<file path=customXml/item3.xml><?xml version="1.0" encoding="utf-8"?>
-<?mso-contentType ?>
-<FormTemplates xmlns="http://schemas.microsoft.com/sharepoint/v3/contenttype/forms">
-  <Display>DocumentLibraryForm</Display>
-  <Edit>DocumentLibraryForm</Edit>
-  <New>DocumentLibraryForm</New>
-</FormTemplates>
+<file path=customXml/itemProps2.xml><?xml version="1.0" encoding="utf-8"?>
+<ds:datastoreItem xmlns:ds="http://schemas.openxmlformats.org/officeDocument/2006/customXml" ds:itemID="{2E14384D-F933-4E9A-8BF2-A02C7A4F1D0B}">
+  <ds:schemaRefs>
+    <ds:schemaRef ds:uri="http://schemas.microsoft.com/sharepoint/v3/contenttype/forms"/>
+  </ds:schemaRefs>
+</ds:datastoreItem>
 </file>
 
-<file path=customXml/itemProps1.xml><?xml version="1.0" encoding="utf-8"?>
+<file path=customXml/itemProps3.xml><?xml version="1.0" encoding="utf-8"?>
 <ds:datastoreItem xmlns:ds="http://schemas.openxmlformats.org/officeDocument/2006/customXml" ds:itemID="{6E383C42-F081-43C3-8531-C104895F8C1A}">
   <ds:schemaRefs>
     <ds:schemaRef ds:uri="http://schemas.microsoft.com/office/2006/metadata/contentType"/>
@@ -10253,31 +10308,6 @@
 </ds:datastoreItem>
 </file>
 
-<file path=customXml/itemProps2.xml><?xml version="1.0" encoding="utf-8"?>
-<ds:datastoreItem xmlns:ds="http://schemas.openxmlformats.org/officeDocument/2006/customXml" ds:itemID="{6D46912A-3E29-4935-91A7-F35A1585157B}">
-  <ds:schemaRefs>
-    <ds:schemaRef ds:uri="http://purl.org/dc/elements/1.1/"/>
-    <ds:schemaRef ds:uri="http://schemas.microsoft.com/office/2006/metadata/properties"/>
-    <ds:schemaRef ds:uri="ec587fe9-fa5c-47d0-8660-4dac361e2af1"/>
-    <ds:schemaRef ds:uri="http://purl.org/dc/terms/"/>
-    <ds:schemaRef ds:uri="http://schemas.openxmlformats.org/package/2006/metadata/core-properties"/>
-    <ds:schemaRef ds:uri="http://schemas.microsoft.com/office/infopath/2007/PartnerControls"/>
-    <ds:schemaRef ds:uri="http://schemas.microsoft.com/office/2006/documentManagement/types"/>
-    <ds:schemaRef ds:uri="a46ab4ca-bc09-4ac5-a31b-eed8c5b60a07"/>
-    <ds:schemaRef ds:uri="http://www.w3.org/XML/1998/namespace"/>
-    <ds:schemaRef ds:uri="http://purl.org/dc/dcmitype/"/>
-  </ds:schemaRefs>
-</ds:datastoreItem>
-</file>
-
-<file path=customXml/itemProps3.xml><?xml version="1.0" encoding="utf-8"?>
-<ds:datastoreItem xmlns:ds="http://schemas.openxmlformats.org/officeDocument/2006/customXml" ds:itemID="{2E14384D-F933-4E9A-8BF2-A02C7A4F1D0B}">
-  <ds:schemaRefs>
-    <ds:schemaRef ds:uri="http://schemas.microsoft.com/sharepoint/v3/contenttype/forms"/>
-  </ds:schemaRefs>
-</ds:datastoreItem>
-</file>
-
 <file path=docMetadata/LabelInfo.xml><?xml version="1.0" encoding="utf-8"?>
 <clbl:labelList xmlns:clbl="http://schemas.microsoft.com/office/2020/mipLabelMetadata">
   <clbl:label id="{72fe835d-5e95-4512-8ae0-a7b38af25fc8}" enabled="0" method="" siteId="{72fe835d-5e95-4512-8ae0-a7b38af25fc8}" removed="1"/>
